--- a/Snek.pptx
+++ b/Snek.pptx
@@ -278,7 +278,7 @@
           <a:p>
             <a:fld id="{FACF148E-D5E1-4DC9-A56C-4120BEEA581D}" type="datetimeFigureOut">
               <a:rPr kumimoji="1" lang="ja-JP" altLang="en-US" smtClean="0"/>
-              <a:t>2023/6/12</a:t>
+              <a:t>2023/6/14</a:t>
             </a:fld>
             <a:endParaRPr kumimoji="1" lang="ja-JP" altLang="en-US"/>
           </a:p>
@@ -508,7 +508,7 @@
           <a:p>
             <a:fld id="{FACF148E-D5E1-4DC9-A56C-4120BEEA581D}" type="datetimeFigureOut">
               <a:rPr kumimoji="1" lang="ja-JP" altLang="en-US" smtClean="0"/>
-              <a:t>2023/6/12</a:t>
+              <a:t>2023/6/14</a:t>
             </a:fld>
             <a:endParaRPr kumimoji="1" lang="ja-JP" altLang="en-US"/>
           </a:p>
@@ -748,7 +748,7 @@
           <a:p>
             <a:fld id="{FACF148E-D5E1-4DC9-A56C-4120BEEA581D}" type="datetimeFigureOut">
               <a:rPr kumimoji="1" lang="ja-JP" altLang="en-US" smtClean="0"/>
-              <a:t>2023/6/12</a:t>
+              <a:t>2023/6/14</a:t>
             </a:fld>
             <a:endParaRPr kumimoji="1" lang="ja-JP" altLang="en-US"/>
           </a:p>
@@ -978,7 +978,7 @@
           <a:p>
             <a:fld id="{FACF148E-D5E1-4DC9-A56C-4120BEEA581D}" type="datetimeFigureOut">
               <a:rPr kumimoji="1" lang="ja-JP" altLang="en-US" smtClean="0"/>
-              <a:t>2023/6/12</a:t>
+              <a:t>2023/6/14</a:t>
             </a:fld>
             <a:endParaRPr kumimoji="1" lang="ja-JP" altLang="en-US"/>
           </a:p>
@@ -1253,7 +1253,7 @@
           <a:p>
             <a:fld id="{FACF148E-D5E1-4DC9-A56C-4120BEEA581D}" type="datetimeFigureOut">
               <a:rPr kumimoji="1" lang="ja-JP" altLang="en-US" smtClean="0"/>
-              <a:t>2023/6/12</a:t>
+              <a:t>2023/6/14</a:t>
             </a:fld>
             <a:endParaRPr kumimoji="1" lang="ja-JP" altLang="en-US"/>
           </a:p>
@@ -1582,7 +1582,7 @@
           <a:p>
             <a:fld id="{FACF148E-D5E1-4DC9-A56C-4120BEEA581D}" type="datetimeFigureOut">
               <a:rPr kumimoji="1" lang="ja-JP" altLang="en-US" smtClean="0"/>
-              <a:t>2023/6/12</a:t>
+              <a:t>2023/6/14</a:t>
             </a:fld>
             <a:endParaRPr kumimoji="1" lang="ja-JP" altLang="en-US"/>
           </a:p>
@@ -2058,7 +2058,7 @@
           <a:p>
             <a:fld id="{FACF148E-D5E1-4DC9-A56C-4120BEEA581D}" type="datetimeFigureOut">
               <a:rPr kumimoji="1" lang="ja-JP" altLang="en-US" smtClean="0"/>
-              <a:t>2023/6/12</a:t>
+              <a:t>2023/6/14</a:t>
             </a:fld>
             <a:endParaRPr kumimoji="1" lang="ja-JP" altLang="en-US"/>
           </a:p>
@@ -2199,7 +2199,7 @@
           <a:p>
             <a:fld id="{FACF148E-D5E1-4DC9-A56C-4120BEEA581D}" type="datetimeFigureOut">
               <a:rPr kumimoji="1" lang="ja-JP" altLang="en-US" smtClean="0"/>
-              <a:t>2023/6/12</a:t>
+              <a:t>2023/6/14</a:t>
             </a:fld>
             <a:endParaRPr kumimoji="1" lang="ja-JP" altLang="en-US"/>
           </a:p>
@@ -2312,7 +2312,7 @@
           <a:p>
             <a:fld id="{FACF148E-D5E1-4DC9-A56C-4120BEEA581D}" type="datetimeFigureOut">
               <a:rPr kumimoji="1" lang="ja-JP" altLang="en-US" smtClean="0"/>
-              <a:t>2023/6/12</a:t>
+              <a:t>2023/6/14</a:t>
             </a:fld>
             <a:endParaRPr kumimoji="1" lang="ja-JP" altLang="en-US"/>
           </a:p>
@@ -2655,7 +2655,7 @@
           <a:p>
             <a:fld id="{FACF148E-D5E1-4DC9-A56C-4120BEEA581D}" type="datetimeFigureOut">
               <a:rPr kumimoji="1" lang="ja-JP" altLang="en-US" smtClean="0"/>
-              <a:t>2023/6/12</a:t>
+              <a:t>2023/6/14</a:t>
             </a:fld>
             <a:endParaRPr kumimoji="1" lang="ja-JP" altLang="en-US"/>
           </a:p>
@@ -2943,7 +2943,7 @@
           <a:p>
             <a:fld id="{FACF148E-D5E1-4DC9-A56C-4120BEEA581D}" type="datetimeFigureOut">
               <a:rPr kumimoji="1" lang="ja-JP" altLang="en-US" smtClean="0"/>
-              <a:t>2023/6/12</a:t>
+              <a:t>2023/6/14</a:t>
             </a:fld>
             <a:endParaRPr kumimoji="1" lang="ja-JP" altLang="en-US"/>
           </a:p>
@@ -3216,7 +3216,7 @@
           <a:p>
             <a:fld id="{FACF148E-D5E1-4DC9-A56C-4120BEEA581D}" type="datetimeFigureOut">
               <a:rPr kumimoji="1" lang="ja-JP" altLang="en-US" smtClean="0"/>
-              <a:t>2023/6/12</a:t>
+              <a:t>2023/6/14</a:t>
             </a:fld>
             <a:endParaRPr kumimoji="1" lang="ja-JP" altLang="en-US"/>
           </a:p>
@@ -3711,6 +3711,496 @@
           </a:p>
         </p:txBody>
       </p:sp>
+      <p:pic>
+        <p:nvPicPr>
+          <p:cNvPr id="5" name="Picture 4">
+            <a:extLst>
+              <a:ext uri="{FF2B5EF4-FFF2-40B4-BE49-F238E27FC236}">
+                <a16:creationId xmlns:a16="http://schemas.microsoft.com/office/drawing/2014/main" id="{6D431948-BC8A-2B44-DB95-6B2A7B577AD1}"/>
+              </a:ext>
+            </a:extLst>
+          </p:cNvPr>
+          <p:cNvPicPr>
+            <a:picLocks noChangeAspect="1"/>
+          </p:cNvPicPr>
+          <p:nvPr/>
+        </p:nvPicPr>
+        <p:blipFill rotWithShape="1">
+          <a:blip r:embed="rId2">
+            <a:extLst>
+              <a:ext uri="{28A0092B-C50C-407E-A947-70E740481C1C}">
+                <a14:useLocalDpi xmlns:a14="http://schemas.microsoft.com/office/drawing/2010/main" val="0"/>
+              </a:ext>
+            </a:extLst>
+          </a:blip>
+          <a:srcRect t="24351" b="35065"/>
+          <a:stretch/>
+        </p:blipFill>
+        <p:spPr>
+          <a:xfrm rot="20943828">
+            <a:off x="-381738" y="1533418"/>
+            <a:ext cx="2067104" cy="671900"/>
+          </a:xfrm>
+          <a:prstGeom prst="rect">
+            <a:avLst/>
+          </a:prstGeom>
+        </p:spPr>
+      </p:pic>
+      <p:pic>
+        <p:nvPicPr>
+          <p:cNvPr id="6" name="Picture 5">
+            <a:extLst>
+              <a:ext uri="{FF2B5EF4-FFF2-40B4-BE49-F238E27FC236}">
+                <a16:creationId xmlns:a16="http://schemas.microsoft.com/office/drawing/2014/main" id="{6494C8DF-18A0-2669-F3FA-ECCE85EF415C}"/>
+              </a:ext>
+            </a:extLst>
+          </p:cNvPr>
+          <p:cNvPicPr>
+            <a:picLocks noChangeAspect="1"/>
+          </p:cNvPicPr>
+          <p:nvPr/>
+        </p:nvPicPr>
+        <p:blipFill rotWithShape="1">
+          <a:blip r:embed="rId2">
+            <a:extLst>
+              <a:ext uri="{28A0092B-C50C-407E-A947-70E740481C1C}">
+                <a14:useLocalDpi xmlns:a14="http://schemas.microsoft.com/office/drawing/2010/main" val="0"/>
+              </a:ext>
+            </a:extLst>
+          </a:blip>
+          <a:srcRect t="24351" b="35065"/>
+          <a:stretch/>
+        </p:blipFill>
+        <p:spPr>
+          <a:xfrm rot="21287105">
+            <a:off x="1115368" y="1343915"/>
+            <a:ext cx="2067104" cy="671900"/>
+          </a:xfrm>
+          <a:prstGeom prst="rect">
+            <a:avLst/>
+          </a:prstGeom>
+        </p:spPr>
+      </p:pic>
+      <p:pic>
+        <p:nvPicPr>
+          <p:cNvPr id="7" name="Picture 6">
+            <a:extLst>
+              <a:ext uri="{FF2B5EF4-FFF2-40B4-BE49-F238E27FC236}">
+                <a16:creationId xmlns:a16="http://schemas.microsoft.com/office/drawing/2014/main" id="{E3C1E501-56B0-38EC-C5C7-AB148DA5987E}"/>
+              </a:ext>
+            </a:extLst>
+          </p:cNvPr>
+          <p:cNvPicPr>
+            <a:picLocks noChangeAspect="1"/>
+          </p:cNvPicPr>
+          <p:nvPr/>
+        </p:nvPicPr>
+        <p:blipFill rotWithShape="1">
+          <a:blip r:embed="rId2">
+            <a:extLst>
+              <a:ext uri="{28A0092B-C50C-407E-A947-70E740481C1C}">
+                <a14:useLocalDpi xmlns:a14="http://schemas.microsoft.com/office/drawing/2010/main" val="0"/>
+              </a:ext>
+            </a:extLst>
+          </a:blip>
+          <a:srcRect t="24351" b="35065"/>
+          <a:stretch/>
+        </p:blipFill>
+        <p:spPr>
+          <a:xfrm rot="1815674">
+            <a:off x="2475598" y="1530988"/>
+            <a:ext cx="2067104" cy="671900"/>
+          </a:xfrm>
+          <a:prstGeom prst="rect">
+            <a:avLst/>
+          </a:prstGeom>
+        </p:spPr>
+      </p:pic>
+      <p:pic>
+        <p:nvPicPr>
+          <p:cNvPr id="8" name="Picture 7">
+            <a:extLst>
+              <a:ext uri="{FF2B5EF4-FFF2-40B4-BE49-F238E27FC236}">
+                <a16:creationId xmlns:a16="http://schemas.microsoft.com/office/drawing/2014/main" id="{628C716C-F2D1-27E4-699D-A4BF8595F352}"/>
+              </a:ext>
+            </a:extLst>
+          </p:cNvPr>
+          <p:cNvPicPr>
+            <a:picLocks noChangeAspect="1"/>
+          </p:cNvPicPr>
+          <p:nvPr/>
+        </p:nvPicPr>
+        <p:blipFill rotWithShape="1">
+          <a:blip r:embed="rId2">
+            <a:extLst>
+              <a:ext uri="{28A0092B-C50C-407E-A947-70E740481C1C}">
+                <a14:useLocalDpi xmlns:a14="http://schemas.microsoft.com/office/drawing/2010/main" val="0"/>
+              </a:ext>
+            </a:extLst>
+          </a:blip>
+          <a:srcRect t="24351" b="35065"/>
+          <a:stretch/>
+        </p:blipFill>
+        <p:spPr>
+          <a:xfrm>
+            <a:off x="3745195" y="1866938"/>
+            <a:ext cx="2067104" cy="671900"/>
+          </a:xfrm>
+          <a:prstGeom prst="rect">
+            <a:avLst/>
+          </a:prstGeom>
+        </p:spPr>
+      </p:pic>
+      <p:pic>
+        <p:nvPicPr>
+          <p:cNvPr id="9" name="Picture 8">
+            <a:extLst>
+              <a:ext uri="{FF2B5EF4-FFF2-40B4-BE49-F238E27FC236}">
+                <a16:creationId xmlns:a16="http://schemas.microsoft.com/office/drawing/2014/main" id="{B4D22B47-5755-A636-A62A-82D640DFD53C}"/>
+              </a:ext>
+            </a:extLst>
+          </p:cNvPr>
+          <p:cNvPicPr>
+            <a:picLocks noChangeAspect="1"/>
+          </p:cNvPicPr>
+          <p:nvPr/>
+        </p:nvPicPr>
+        <p:blipFill rotWithShape="1">
+          <a:blip r:embed="rId2">
+            <a:extLst>
+              <a:ext uri="{28A0092B-C50C-407E-A947-70E740481C1C}">
+                <a14:useLocalDpi xmlns:a14="http://schemas.microsoft.com/office/drawing/2010/main" val="0"/>
+              </a:ext>
+            </a:extLst>
+          </a:blip>
+          <a:srcRect t="24351" b="35065"/>
+          <a:stretch/>
+        </p:blipFill>
+        <p:spPr>
+          <a:xfrm rot="20892399">
+            <a:off x="5206278" y="1662789"/>
+            <a:ext cx="2067104" cy="671900"/>
+          </a:xfrm>
+          <a:prstGeom prst="rect">
+            <a:avLst/>
+          </a:prstGeom>
+        </p:spPr>
+      </p:pic>
+      <p:pic>
+        <p:nvPicPr>
+          <p:cNvPr id="10" name="Picture 9">
+            <a:extLst>
+              <a:ext uri="{FF2B5EF4-FFF2-40B4-BE49-F238E27FC236}">
+                <a16:creationId xmlns:a16="http://schemas.microsoft.com/office/drawing/2014/main" id="{779D83A0-ED60-CA7B-2E8F-8F9A54922163}"/>
+              </a:ext>
+            </a:extLst>
+          </p:cNvPr>
+          <p:cNvPicPr>
+            <a:picLocks noChangeAspect="1"/>
+          </p:cNvPicPr>
+          <p:nvPr/>
+        </p:nvPicPr>
+        <p:blipFill rotWithShape="1">
+          <a:blip r:embed="rId2">
+            <a:extLst>
+              <a:ext uri="{28A0092B-C50C-407E-A947-70E740481C1C}">
+                <a14:useLocalDpi xmlns:a14="http://schemas.microsoft.com/office/drawing/2010/main" val="0"/>
+              </a:ext>
+            </a:extLst>
+          </a:blip>
+          <a:srcRect t="24351" b="35065"/>
+          <a:stretch/>
+        </p:blipFill>
+        <p:spPr>
+          <a:xfrm rot="574148">
+            <a:off x="6587284" y="1625780"/>
+            <a:ext cx="2067104" cy="671900"/>
+          </a:xfrm>
+          <a:prstGeom prst="rect">
+            <a:avLst/>
+          </a:prstGeom>
+        </p:spPr>
+      </p:pic>
+      <p:pic>
+        <p:nvPicPr>
+          <p:cNvPr id="11" name="Picture 10">
+            <a:extLst>
+              <a:ext uri="{FF2B5EF4-FFF2-40B4-BE49-F238E27FC236}">
+                <a16:creationId xmlns:a16="http://schemas.microsoft.com/office/drawing/2014/main" id="{806C6B0B-6898-D30E-8971-F99DA31024F1}"/>
+              </a:ext>
+            </a:extLst>
+          </p:cNvPr>
+          <p:cNvPicPr>
+            <a:picLocks noChangeAspect="1"/>
+          </p:cNvPicPr>
+          <p:nvPr/>
+        </p:nvPicPr>
+        <p:blipFill rotWithShape="1">
+          <a:blip r:embed="rId2">
+            <a:extLst>
+              <a:ext uri="{28A0092B-C50C-407E-A947-70E740481C1C}">
+                <a14:useLocalDpi xmlns:a14="http://schemas.microsoft.com/office/drawing/2010/main" val="0"/>
+              </a:ext>
+            </a:extLst>
+          </a:blip>
+          <a:srcRect t="24351" b="35065"/>
+          <a:stretch/>
+        </p:blipFill>
+        <p:spPr>
+          <a:xfrm rot="1528190">
+            <a:off x="7952515" y="2054005"/>
+            <a:ext cx="2067104" cy="671900"/>
+          </a:xfrm>
+          <a:prstGeom prst="rect">
+            <a:avLst/>
+          </a:prstGeom>
+        </p:spPr>
+      </p:pic>
+      <p:pic>
+        <p:nvPicPr>
+          <p:cNvPr id="12" name="Picture 11">
+            <a:extLst>
+              <a:ext uri="{FF2B5EF4-FFF2-40B4-BE49-F238E27FC236}">
+                <a16:creationId xmlns:a16="http://schemas.microsoft.com/office/drawing/2014/main" id="{86DCF8CD-C521-E29F-83C0-A4FAF146DF54}"/>
+              </a:ext>
+            </a:extLst>
+          </p:cNvPr>
+          <p:cNvPicPr>
+            <a:picLocks noChangeAspect="1"/>
+          </p:cNvPicPr>
+          <p:nvPr/>
+        </p:nvPicPr>
+        <p:blipFill rotWithShape="1">
+          <a:blip r:embed="rId2">
+            <a:extLst>
+              <a:ext uri="{28A0092B-C50C-407E-A947-70E740481C1C}">
+                <a14:useLocalDpi xmlns:a14="http://schemas.microsoft.com/office/drawing/2010/main" val="0"/>
+              </a:ext>
+            </a:extLst>
+          </a:blip>
+          <a:srcRect t="24351" b="35065"/>
+          <a:stretch/>
+        </p:blipFill>
+        <p:spPr>
+          <a:xfrm rot="1528190">
+            <a:off x="9338899" y="2727978"/>
+            <a:ext cx="2067104" cy="671900"/>
+          </a:xfrm>
+          <a:prstGeom prst="rect">
+            <a:avLst/>
+          </a:prstGeom>
+        </p:spPr>
+      </p:pic>
+      <p:pic>
+        <p:nvPicPr>
+          <p:cNvPr id="13" name="Picture 12">
+            <a:extLst>
+              <a:ext uri="{FF2B5EF4-FFF2-40B4-BE49-F238E27FC236}">
+                <a16:creationId xmlns:a16="http://schemas.microsoft.com/office/drawing/2014/main" id="{202E70E2-F4B6-E7B8-DA83-2596B345D614}"/>
+              </a:ext>
+            </a:extLst>
+          </p:cNvPr>
+          <p:cNvPicPr>
+            <a:picLocks noChangeAspect="1"/>
+          </p:cNvPicPr>
+          <p:nvPr/>
+        </p:nvPicPr>
+        <p:blipFill rotWithShape="1">
+          <a:blip r:embed="rId2">
+            <a:extLst>
+              <a:ext uri="{28A0092B-C50C-407E-A947-70E740481C1C}">
+                <a14:useLocalDpi xmlns:a14="http://schemas.microsoft.com/office/drawing/2010/main" val="0"/>
+              </a:ext>
+            </a:extLst>
+          </a:blip>
+          <a:srcRect t="24351" b="35065"/>
+          <a:stretch/>
+        </p:blipFill>
+        <p:spPr>
+          <a:xfrm rot="4690383">
+            <a:off x="10169763" y="3841384"/>
+            <a:ext cx="2067104" cy="671900"/>
+          </a:xfrm>
+          <a:prstGeom prst="rect">
+            <a:avLst/>
+          </a:prstGeom>
+        </p:spPr>
+      </p:pic>
+      <p:pic>
+        <p:nvPicPr>
+          <p:cNvPr id="14" name="Picture 13">
+            <a:extLst>
+              <a:ext uri="{FF2B5EF4-FFF2-40B4-BE49-F238E27FC236}">
+                <a16:creationId xmlns:a16="http://schemas.microsoft.com/office/drawing/2014/main" id="{2A1AEFD4-DF75-7678-554F-4C15E0A355F2}"/>
+              </a:ext>
+            </a:extLst>
+          </p:cNvPr>
+          <p:cNvPicPr>
+            <a:picLocks noChangeAspect="1"/>
+          </p:cNvPicPr>
+          <p:nvPr/>
+        </p:nvPicPr>
+        <p:blipFill rotWithShape="1">
+          <a:blip r:embed="rId2">
+            <a:extLst>
+              <a:ext uri="{28A0092B-C50C-407E-A947-70E740481C1C}">
+                <a14:useLocalDpi xmlns:a14="http://schemas.microsoft.com/office/drawing/2010/main" val="0"/>
+              </a:ext>
+            </a:extLst>
+          </a:blip>
+          <a:srcRect t="24351" b="35065"/>
+          <a:stretch/>
+        </p:blipFill>
+        <p:spPr>
+          <a:xfrm rot="7796175">
+            <a:off x="9859619" y="5102113"/>
+            <a:ext cx="2067104" cy="671900"/>
+          </a:xfrm>
+          <a:prstGeom prst="rect">
+            <a:avLst/>
+          </a:prstGeom>
+        </p:spPr>
+      </p:pic>
+      <p:pic>
+        <p:nvPicPr>
+          <p:cNvPr id="15" name="Picture 14">
+            <a:extLst>
+              <a:ext uri="{FF2B5EF4-FFF2-40B4-BE49-F238E27FC236}">
+                <a16:creationId xmlns:a16="http://schemas.microsoft.com/office/drawing/2014/main" id="{44FD3831-59C5-62C7-1D89-132C6241E86E}"/>
+              </a:ext>
+            </a:extLst>
+          </p:cNvPr>
+          <p:cNvPicPr>
+            <a:picLocks noChangeAspect="1"/>
+          </p:cNvPicPr>
+          <p:nvPr/>
+        </p:nvPicPr>
+        <p:blipFill rotWithShape="1">
+          <a:blip r:embed="rId2">
+            <a:extLst>
+              <a:ext uri="{28A0092B-C50C-407E-A947-70E740481C1C}">
+                <a14:useLocalDpi xmlns:a14="http://schemas.microsoft.com/office/drawing/2010/main" val="0"/>
+              </a:ext>
+            </a:extLst>
+          </a:blip>
+          <a:srcRect t="24351" b="35065"/>
+          <a:stretch/>
+        </p:blipFill>
+        <p:spPr>
+          <a:xfrm rot="7796175">
+            <a:off x="9097618" y="6022068"/>
+            <a:ext cx="2067104" cy="671900"/>
+          </a:xfrm>
+          <a:prstGeom prst="rect">
+            <a:avLst/>
+          </a:prstGeom>
+        </p:spPr>
+      </p:pic>
+      <p:pic>
+        <p:nvPicPr>
+          <p:cNvPr id="16" name="Picture 15">
+            <a:extLst>
+              <a:ext uri="{FF2B5EF4-FFF2-40B4-BE49-F238E27FC236}">
+                <a16:creationId xmlns:a16="http://schemas.microsoft.com/office/drawing/2014/main" id="{3EF5A188-9347-E410-96B0-D3BE47F39319}"/>
+              </a:ext>
+            </a:extLst>
+          </p:cNvPr>
+          <p:cNvPicPr>
+            <a:picLocks noChangeAspect="1"/>
+          </p:cNvPicPr>
+          <p:nvPr/>
+        </p:nvPicPr>
+        <p:blipFill rotWithShape="1">
+          <a:blip r:embed="rId2">
+            <a:extLst>
+              <a:ext uri="{28A0092B-C50C-407E-A947-70E740481C1C}">
+                <a14:useLocalDpi xmlns:a14="http://schemas.microsoft.com/office/drawing/2010/main" val="0"/>
+              </a:ext>
+            </a:extLst>
+          </a:blip>
+          <a:srcRect t="24351" b="35065"/>
+          <a:stretch/>
+        </p:blipFill>
+        <p:spPr>
+          <a:xfrm rot="7796175">
+            <a:off x="8583369" y="-967896"/>
+            <a:ext cx="2067104" cy="671900"/>
+          </a:xfrm>
+          <a:prstGeom prst="rect">
+            <a:avLst/>
+          </a:prstGeom>
+        </p:spPr>
+      </p:pic>
+      <p:pic>
+        <p:nvPicPr>
+          <p:cNvPr id="17" name="Picture 16">
+            <a:extLst>
+              <a:ext uri="{FF2B5EF4-FFF2-40B4-BE49-F238E27FC236}">
+                <a16:creationId xmlns:a16="http://schemas.microsoft.com/office/drawing/2014/main" id="{208611FA-BE92-531D-A56A-BC9876CEC1F5}"/>
+              </a:ext>
+            </a:extLst>
+          </p:cNvPr>
+          <p:cNvPicPr>
+            <a:picLocks noChangeAspect="1"/>
+          </p:cNvPicPr>
+          <p:nvPr/>
+        </p:nvPicPr>
+        <p:blipFill rotWithShape="1">
+          <a:blip r:embed="rId2">
+            <a:extLst>
+              <a:ext uri="{28A0092B-C50C-407E-A947-70E740481C1C}">
+                <a14:useLocalDpi xmlns:a14="http://schemas.microsoft.com/office/drawing/2010/main" val="0"/>
+              </a:ext>
+            </a:extLst>
+          </a:blip>
+          <a:srcRect t="24351" b="35065"/>
+          <a:stretch/>
+        </p:blipFill>
+        <p:spPr>
+          <a:xfrm rot="7325398">
+            <a:off x="7790249" y="98127"/>
+            <a:ext cx="2067104" cy="671900"/>
+          </a:xfrm>
+          <a:prstGeom prst="rect">
+            <a:avLst/>
+          </a:prstGeom>
+        </p:spPr>
+      </p:pic>
+      <p:pic>
+        <p:nvPicPr>
+          <p:cNvPr id="18" name="Picture 17">
+            <a:extLst>
+              <a:ext uri="{FF2B5EF4-FFF2-40B4-BE49-F238E27FC236}">
+                <a16:creationId xmlns:a16="http://schemas.microsoft.com/office/drawing/2014/main" id="{572B31F9-3581-31B8-B693-1FF0346E5186}"/>
+              </a:ext>
+            </a:extLst>
+          </p:cNvPr>
+          <p:cNvPicPr>
+            <a:picLocks noChangeAspect="1"/>
+          </p:cNvPicPr>
+          <p:nvPr/>
+        </p:nvPicPr>
+        <p:blipFill rotWithShape="1">
+          <a:blip r:embed="rId2">
+            <a:extLst>
+              <a:ext uri="{28A0092B-C50C-407E-A947-70E740481C1C}">
+                <a14:useLocalDpi xmlns:a14="http://schemas.microsoft.com/office/drawing/2010/main" val="0"/>
+              </a:ext>
+            </a:extLst>
+          </a:blip>
+          <a:srcRect t="24351" b="35065"/>
+          <a:stretch/>
+        </p:blipFill>
+        <p:spPr>
+          <a:xfrm rot="7325398">
+            <a:off x="7309428" y="786412"/>
+            <a:ext cx="2067104" cy="671900"/>
+          </a:xfrm>
+          <a:prstGeom prst="rect">
+            <a:avLst/>
+          </a:prstGeom>
+        </p:spPr>
+      </p:pic>
     </p:spTree>
     <p:extLst>
       <p:ext uri="{BB962C8B-B14F-4D97-AF65-F5344CB8AC3E}">
@@ -3721,6 +4211,661 @@
   <p:clrMapOvr>
     <a:masterClrMapping/>
   </p:clrMapOvr>
+  <p:timing>
+    <p:tnLst>
+      <p:par>
+        <p:cTn id="1" dur="indefinite" restart="never" nodeType="tmRoot">
+          <p:childTnLst>
+            <p:seq concurrent="1" nextAc="seek">
+              <p:cTn id="2" dur="indefinite" nodeType="mainSeq">
+                <p:childTnLst>
+                  <p:par>
+                    <p:cTn id="3" fill="hold">
+                      <p:stCondLst>
+                        <p:cond delay="indefinite"/>
+                      </p:stCondLst>
+                      <p:childTnLst>
+                        <p:par>
+                          <p:cTn id="4" fill="hold">
+                            <p:stCondLst>
+                              <p:cond delay="0"/>
+                            </p:stCondLst>
+                            <p:childTnLst>
+                              <p:par>
+                                <p:cTn id="5" presetID="10" presetClass="entr" presetSubtype="0" fill="hold" nodeType="clickEffect">
+                                  <p:stCondLst>
+                                    <p:cond delay="0"/>
+                                  </p:stCondLst>
+                                  <p:childTnLst>
+                                    <p:set>
+                                      <p:cBhvr>
+                                        <p:cTn id="6" dur="1" fill="hold">
+                                          <p:stCondLst>
+                                            <p:cond delay="0"/>
+                                          </p:stCondLst>
+                                        </p:cTn>
+                                        <p:tgtEl>
+                                          <p:spTgt spid="5"/>
+                                        </p:tgtEl>
+                                        <p:attrNameLst>
+                                          <p:attrName>style.visibility</p:attrName>
+                                        </p:attrNameLst>
+                                      </p:cBhvr>
+                                      <p:to>
+                                        <p:strVal val="visible"/>
+                                      </p:to>
+                                    </p:set>
+                                    <p:animEffect transition="in" filter="fade">
+                                      <p:cBhvr>
+                                        <p:cTn id="7" dur="250"/>
+                                        <p:tgtEl>
+                                          <p:spTgt spid="5"/>
+                                        </p:tgtEl>
+                                      </p:cBhvr>
+                                    </p:animEffect>
+                                  </p:childTnLst>
+                                </p:cTn>
+                              </p:par>
+                            </p:childTnLst>
+                          </p:cTn>
+                        </p:par>
+                        <p:par>
+                          <p:cTn id="8" fill="hold">
+                            <p:stCondLst>
+                              <p:cond delay="250"/>
+                            </p:stCondLst>
+                            <p:childTnLst>
+                              <p:par>
+                                <p:cTn id="9" presetID="10" presetClass="entr" presetSubtype="0" fill="hold" nodeType="afterEffect">
+                                  <p:stCondLst>
+                                    <p:cond delay="0"/>
+                                  </p:stCondLst>
+                                  <p:childTnLst>
+                                    <p:set>
+                                      <p:cBhvr>
+                                        <p:cTn id="10" dur="1" fill="hold">
+                                          <p:stCondLst>
+                                            <p:cond delay="0"/>
+                                          </p:stCondLst>
+                                        </p:cTn>
+                                        <p:tgtEl>
+                                          <p:spTgt spid="6"/>
+                                        </p:tgtEl>
+                                        <p:attrNameLst>
+                                          <p:attrName>style.visibility</p:attrName>
+                                        </p:attrNameLst>
+                                      </p:cBhvr>
+                                      <p:to>
+                                        <p:strVal val="visible"/>
+                                      </p:to>
+                                    </p:set>
+                                    <p:animEffect transition="in" filter="fade">
+                                      <p:cBhvr>
+                                        <p:cTn id="11" dur="250"/>
+                                        <p:tgtEl>
+                                          <p:spTgt spid="6"/>
+                                        </p:tgtEl>
+                                      </p:cBhvr>
+                                    </p:animEffect>
+                                  </p:childTnLst>
+                                </p:cTn>
+                              </p:par>
+                            </p:childTnLst>
+                          </p:cTn>
+                        </p:par>
+                        <p:par>
+                          <p:cTn id="12" fill="hold">
+                            <p:stCondLst>
+                              <p:cond delay="500"/>
+                            </p:stCondLst>
+                            <p:childTnLst>
+                              <p:par>
+                                <p:cTn id="13" presetID="10" presetClass="entr" presetSubtype="0" fill="hold" nodeType="afterEffect">
+                                  <p:stCondLst>
+                                    <p:cond delay="0"/>
+                                  </p:stCondLst>
+                                  <p:childTnLst>
+                                    <p:set>
+                                      <p:cBhvr>
+                                        <p:cTn id="14" dur="1" fill="hold">
+                                          <p:stCondLst>
+                                            <p:cond delay="0"/>
+                                          </p:stCondLst>
+                                        </p:cTn>
+                                        <p:tgtEl>
+                                          <p:spTgt spid="7"/>
+                                        </p:tgtEl>
+                                        <p:attrNameLst>
+                                          <p:attrName>style.visibility</p:attrName>
+                                        </p:attrNameLst>
+                                      </p:cBhvr>
+                                      <p:to>
+                                        <p:strVal val="visible"/>
+                                      </p:to>
+                                    </p:set>
+                                    <p:animEffect transition="in" filter="fade">
+                                      <p:cBhvr>
+                                        <p:cTn id="15" dur="250"/>
+                                        <p:tgtEl>
+                                          <p:spTgt spid="7"/>
+                                        </p:tgtEl>
+                                      </p:cBhvr>
+                                    </p:animEffect>
+                                  </p:childTnLst>
+                                </p:cTn>
+                              </p:par>
+                            </p:childTnLst>
+                          </p:cTn>
+                        </p:par>
+                        <p:par>
+                          <p:cTn id="16" fill="hold">
+                            <p:stCondLst>
+                              <p:cond delay="750"/>
+                            </p:stCondLst>
+                            <p:childTnLst>
+                              <p:par>
+                                <p:cTn id="17" presetID="10" presetClass="entr" presetSubtype="0" fill="hold" nodeType="afterEffect">
+                                  <p:stCondLst>
+                                    <p:cond delay="0"/>
+                                  </p:stCondLst>
+                                  <p:childTnLst>
+                                    <p:set>
+                                      <p:cBhvr>
+                                        <p:cTn id="18" dur="1" fill="hold">
+                                          <p:stCondLst>
+                                            <p:cond delay="0"/>
+                                          </p:stCondLst>
+                                        </p:cTn>
+                                        <p:tgtEl>
+                                          <p:spTgt spid="8"/>
+                                        </p:tgtEl>
+                                        <p:attrNameLst>
+                                          <p:attrName>style.visibility</p:attrName>
+                                        </p:attrNameLst>
+                                      </p:cBhvr>
+                                      <p:to>
+                                        <p:strVal val="visible"/>
+                                      </p:to>
+                                    </p:set>
+                                    <p:animEffect transition="in" filter="fade">
+                                      <p:cBhvr>
+                                        <p:cTn id="19" dur="250"/>
+                                        <p:tgtEl>
+                                          <p:spTgt spid="8"/>
+                                        </p:tgtEl>
+                                      </p:cBhvr>
+                                    </p:animEffect>
+                                  </p:childTnLst>
+                                </p:cTn>
+                              </p:par>
+                            </p:childTnLst>
+                          </p:cTn>
+                        </p:par>
+                        <p:par>
+                          <p:cTn id="20" fill="hold">
+                            <p:stCondLst>
+                              <p:cond delay="1000"/>
+                            </p:stCondLst>
+                            <p:childTnLst>
+                              <p:par>
+                                <p:cTn id="21" presetID="10" presetClass="entr" presetSubtype="0" fill="hold" nodeType="afterEffect">
+                                  <p:stCondLst>
+                                    <p:cond delay="0"/>
+                                  </p:stCondLst>
+                                  <p:childTnLst>
+                                    <p:set>
+                                      <p:cBhvr>
+                                        <p:cTn id="22" dur="1" fill="hold">
+                                          <p:stCondLst>
+                                            <p:cond delay="0"/>
+                                          </p:stCondLst>
+                                        </p:cTn>
+                                        <p:tgtEl>
+                                          <p:spTgt spid="9"/>
+                                        </p:tgtEl>
+                                        <p:attrNameLst>
+                                          <p:attrName>style.visibility</p:attrName>
+                                        </p:attrNameLst>
+                                      </p:cBhvr>
+                                      <p:to>
+                                        <p:strVal val="visible"/>
+                                      </p:to>
+                                    </p:set>
+                                    <p:animEffect transition="in" filter="fade">
+                                      <p:cBhvr>
+                                        <p:cTn id="23" dur="250"/>
+                                        <p:tgtEl>
+                                          <p:spTgt spid="9"/>
+                                        </p:tgtEl>
+                                      </p:cBhvr>
+                                    </p:animEffect>
+                                  </p:childTnLst>
+                                </p:cTn>
+                              </p:par>
+                            </p:childTnLst>
+                          </p:cTn>
+                        </p:par>
+                        <p:par>
+                          <p:cTn id="24" fill="hold">
+                            <p:stCondLst>
+                              <p:cond delay="1250"/>
+                            </p:stCondLst>
+                            <p:childTnLst>
+                              <p:par>
+                                <p:cTn id="25" presetID="10" presetClass="entr" presetSubtype="0" fill="hold" nodeType="afterEffect">
+                                  <p:stCondLst>
+                                    <p:cond delay="0"/>
+                                  </p:stCondLst>
+                                  <p:childTnLst>
+                                    <p:set>
+                                      <p:cBhvr>
+                                        <p:cTn id="26" dur="1" fill="hold">
+                                          <p:stCondLst>
+                                            <p:cond delay="0"/>
+                                          </p:stCondLst>
+                                        </p:cTn>
+                                        <p:tgtEl>
+                                          <p:spTgt spid="10"/>
+                                        </p:tgtEl>
+                                        <p:attrNameLst>
+                                          <p:attrName>style.visibility</p:attrName>
+                                        </p:attrNameLst>
+                                      </p:cBhvr>
+                                      <p:to>
+                                        <p:strVal val="visible"/>
+                                      </p:to>
+                                    </p:set>
+                                    <p:animEffect transition="in" filter="fade">
+                                      <p:cBhvr>
+                                        <p:cTn id="27" dur="250"/>
+                                        <p:tgtEl>
+                                          <p:spTgt spid="10"/>
+                                        </p:tgtEl>
+                                      </p:cBhvr>
+                                    </p:animEffect>
+                                  </p:childTnLst>
+                                </p:cTn>
+                              </p:par>
+                            </p:childTnLst>
+                          </p:cTn>
+                        </p:par>
+                        <p:par>
+                          <p:cTn id="28" fill="hold">
+                            <p:stCondLst>
+                              <p:cond delay="1500"/>
+                            </p:stCondLst>
+                            <p:childTnLst>
+                              <p:par>
+                                <p:cTn id="29" presetID="10" presetClass="entr" presetSubtype="0" fill="hold" nodeType="afterEffect">
+                                  <p:stCondLst>
+                                    <p:cond delay="0"/>
+                                  </p:stCondLst>
+                                  <p:childTnLst>
+                                    <p:set>
+                                      <p:cBhvr>
+                                        <p:cTn id="30" dur="1" fill="hold">
+                                          <p:stCondLst>
+                                            <p:cond delay="0"/>
+                                          </p:stCondLst>
+                                        </p:cTn>
+                                        <p:tgtEl>
+                                          <p:spTgt spid="11"/>
+                                        </p:tgtEl>
+                                        <p:attrNameLst>
+                                          <p:attrName>style.visibility</p:attrName>
+                                        </p:attrNameLst>
+                                      </p:cBhvr>
+                                      <p:to>
+                                        <p:strVal val="visible"/>
+                                      </p:to>
+                                    </p:set>
+                                    <p:animEffect transition="in" filter="fade">
+                                      <p:cBhvr>
+                                        <p:cTn id="31" dur="250"/>
+                                        <p:tgtEl>
+                                          <p:spTgt spid="11"/>
+                                        </p:tgtEl>
+                                      </p:cBhvr>
+                                    </p:animEffect>
+                                  </p:childTnLst>
+                                </p:cTn>
+                              </p:par>
+                            </p:childTnLst>
+                          </p:cTn>
+                        </p:par>
+                        <p:par>
+                          <p:cTn id="32" fill="hold">
+                            <p:stCondLst>
+                              <p:cond delay="1750"/>
+                            </p:stCondLst>
+                            <p:childTnLst>
+                              <p:par>
+                                <p:cTn id="33" presetID="10" presetClass="entr" presetSubtype="0" fill="hold" nodeType="afterEffect">
+                                  <p:stCondLst>
+                                    <p:cond delay="0"/>
+                                  </p:stCondLst>
+                                  <p:childTnLst>
+                                    <p:set>
+                                      <p:cBhvr>
+                                        <p:cTn id="34" dur="1" fill="hold">
+                                          <p:stCondLst>
+                                            <p:cond delay="0"/>
+                                          </p:stCondLst>
+                                        </p:cTn>
+                                        <p:tgtEl>
+                                          <p:spTgt spid="12"/>
+                                        </p:tgtEl>
+                                        <p:attrNameLst>
+                                          <p:attrName>style.visibility</p:attrName>
+                                        </p:attrNameLst>
+                                      </p:cBhvr>
+                                      <p:to>
+                                        <p:strVal val="visible"/>
+                                      </p:to>
+                                    </p:set>
+                                    <p:animEffect transition="in" filter="fade">
+                                      <p:cBhvr>
+                                        <p:cTn id="35" dur="250"/>
+                                        <p:tgtEl>
+                                          <p:spTgt spid="12"/>
+                                        </p:tgtEl>
+                                      </p:cBhvr>
+                                    </p:animEffect>
+                                  </p:childTnLst>
+                                </p:cTn>
+                              </p:par>
+                            </p:childTnLst>
+                          </p:cTn>
+                        </p:par>
+                        <p:par>
+                          <p:cTn id="36" fill="hold">
+                            <p:stCondLst>
+                              <p:cond delay="2000"/>
+                            </p:stCondLst>
+                            <p:childTnLst>
+                              <p:par>
+                                <p:cTn id="37" presetID="10" presetClass="entr" presetSubtype="0" fill="hold" nodeType="afterEffect">
+                                  <p:stCondLst>
+                                    <p:cond delay="0"/>
+                                  </p:stCondLst>
+                                  <p:childTnLst>
+                                    <p:set>
+                                      <p:cBhvr>
+                                        <p:cTn id="38" dur="1" fill="hold">
+                                          <p:stCondLst>
+                                            <p:cond delay="0"/>
+                                          </p:stCondLst>
+                                        </p:cTn>
+                                        <p:tgtEl>
+                                          <p:spTgt spid="13"/>
+                                        </p:tgtEl>
+                                        <p:attrNameLst>
+                                          <p:attrName>style.visibility</p:attrName>
+                                        </p:attrNameLst>
+                                      </p:cBhvr>
+                                      <p:to>
+                                        <p:strVal val="visible"/>
+                                      </p:to>
+                                    </p:set>
+                                    <p:animEffect transition="in" filter="fade">
+                                      <p:cBhvr>
+                                        <p:cTn id="39" dur="250"/>
+                                        <p:tgtEl>
+                                          <p:spTgt spid="13"/>
+                                        </p:tgtEl>
+                                      </p:cBhvr>
+                                    </p:animEffect>
+                                  </p:childTnLst>
+                                </p:cTn>
+                              </p:par>
+                            </p:childTnLst>
+                          </p:cTn>
+                        </p:par>
+                        <p:par>
+                          <p:cTn id="40" fill="hold">
+                            <p:stCondLst>
+                              <p:cond delay="2250"/>
+                            </p:stCondLst>
+                            <p:childTnLst>
+                              <p:par>
+                                <p:cTn id="41" presetID="10" presetClass="entr" presetSubtype="0" fill="hold" nodeType="afterEffect">
+                                  <p:stCondLst>
+                                    <p:cond delay="0"/>
+                                  </p:stCondLst>
+                                  <p:childTnLst>
+                                    <p:set>
+                                      <p:cBhvr>
+                                        <p:cTn id="42" dur="1" fill="hold">
+                                          <p:stCondLst>
+                                            <p:cond delay="0"/>
+                                          </p:stCondLst>
+                                        </p:cTn>
+                                        <p:tgtEl>
+                                          <p:spTgt spid="14"/>
+                                        </p:tgtEl>
+                                        <p:attrNameLst>
+                                          <p:attrName>style.visibility</p:attrName>
+                                        </p:attrNameLst>
+                                      </p:cBhvr>
+                                      <p:to>
+                                        <p:strVal val="visible"/>
+                                      </p:to>
+                                    </p:set>
+                                    <p:animEffect transition="in" filter="fade">
+                                      <p:cBhvr>
+                                        <p:cTn id="43" dur="250"/>
+                                        <p:tgtEl>
+                                          <p:spTgt spid="14"/>
+                                        </p:tgtEl>
+                                      </p:cBhvr>
+                                    </p:animEffect>
+                                  </p:childTnLst>
+                                </p:cTn>
+                              </p:par>
+                            </p:childTnLst>
+                          </p:cTn>
+                        </p:par>
+                        <p:par>
+                          <p:cTn id="44" fill="hold">
+                            <p:stCondLst>
+                              <p:cond delay="2500"/>
+                            </p:stCondLst>
+                            <p:childTnLst>
+                              <p:par>
+                                <p:cTn id="45" presetID="10" presetClass="entr" presetSubtype="0" fill="hold" nodeType="afterEffect">
+                                  <p:stCondLst>
+                                    <p:cond delay="0"/>
+                                  </p:stCondLst>
+                                  <p:childTnLst>
+                                    <p:set>
+                                      <p:cBhvr>
+                                        <p:cTn id="46" dur="1" fill="hold">
+                                          <p:stCondLst>
+                                            <p:cond delay="0"/>
+                                          </p:stCondLst>
+                                        </p:cTn>
+                                        <p:tgtEl>
+                                          <p:spTgt spid="15"/>
+                                        </p:tgtEl>
+                                        <p:attrNameLst>
+                                          <p:attrName>style.visibility</p:attrName>
+                                        </p:attrNameLst>
+                                      </p:cBhvr>
+                                      <p:to>
+                                        <p:strVal val="visible"/>
+                                      </p:to>
+                                    </p:set>
+                                    <p:animEffect transition="in" filter="fade">
+                                      <p:cBhvr>
+                                        <p:cTn id="47" dur="250"/>
+                                        <p:tgtEl>
+                                          <p:spTgt spid="15"/>
+                                        </p:tgtEl>
+                                      </p:cBhvr>
+                                    </p:animEffect>
+                                  </p:childTnLst>
+                                </p:cTn>
+                              </p:par>
+                            </p:childTnLst>
+                          </p:cTn>
+                        </p:par>
+                        <p:par>
+                          <p:cTn id="48" fill="hold">
+                            <p:stCondLst>
+                              <p:cond delay="2750"/>
+                            </p:stCondLst>
+                            <p:childTnLst>
+                              <p:par>
+                                <p:cTn id="49" presetID="10" presetClass="entr" presetSubtype="0" fill="hold" nodeType="afterEffect">
+                                  <p:stCondLst>
+                                    <p:cond delay="0"/>
+                                  </p:stCondLst>
+                                  <p:childTnLst>
+                                    <p:set>
+                                      <p:cBhvr>
+                                        <p:cTn id="50" dur="1" fill="hold">
+                                          <p:stCondLst>
+                                            <p:cond delay="0"/>
+                                          </p:stCondLst>
+                                        </p:cTn>
+                                        <p:tgtEl>
+                                          <p:spTgt spid="16"/>
+                                        </p:tgtEl>
+                                        <p:attrNameLst>
+                                          <p:attrName>style.visibility</p:attrName>
+                                        </p:attrNameLst>
+                                      </p:cBhvr>
+                                      <p:to>
+                                        <p:strVal val="visible"/>
+                                      </p:to>
+                                    </p:set>
+                                    <p:animEffect transition="in" filter="fade">
+                                      <p:cBhvr>
+                                        <p:cTn id="51" dur="250"/>
+                                        <p:tgtEl>
+                                          <p:spTgt spid="16"/>
+                                        </p:tgtEl>
+                                      </p:cBhvr>
+                                    </p:animEffect>
+                                  </p:childTnLst>
+                                </p:cTn>
+                              </p:par>
+                            </p:childTnLst>
+                          </p:cTn>
+                        </p:par>
+                        <p:par>
+                          <p:cTn id="52" fill="hold">
+                            <p:stCondLst>
+                              <p:cond delay="3000"/>
+                            </p:stCondLst>
+                            <p:childTnLst>
+                              <p:par>
+                                <p:cTn id="53" presetID="10" presetClass="entr" presetSubtype="0" fill="hold" nodeType="afterEffect">
+                                  <p:stCondLst>
+                                    <p:cond delay="0"/>
+                                  </p:stCondLst>
+                                  <p:childTnLst>
+                                    <p:set>
+                                      <p:cBhvr>
+                                        <p:cTn id="54" dur="1" fill="hold">
+                                          <p:stCondLst>
+                                            <p:cond delay="0"/>
+                                          </p:stCondLst>
+                                        </p:cTn>
+                                        <p:tgtEl>
+                                          <p:spTgt spid="17"/>
+                                        </p:tgtEl>
+                                        <p:attrNameLst>
+                                          <p:attrName>style.visibility</p:attrName>
+                                        </p:attrNameLst>
+                                      </p:cBhvr>
+                                      <p:to>
+                                        <p:strVal val="visible"/>
+                                      </p:to>
+                                    </p:set>
+                                    <p:animEffect transition="in" filter="fade">
+                                      <p:cBhvr>
+                                        <p:cTn id="55" dur="250"/>
+                                        <p:tgtEl>
+                                          <p:spTgt spid="17"/>
+                                        </p:tgtEl>
+                                      </p:cBhvr>
+                                    </p:animEffect>
+                                  </p:childTnLst>
+                                </p:cTn>
+                              </p:par>
+                            </p:childTnLst>
+                          </p:cTn>
+                        </p:par>
+                        <p:par>
+                          <p:cTn id="56" fill="hold">
+                            <p:stCondLst>
+                              <p:cond delay="3250"/>
+                            </p:stCondLst>
+                            <p:childTnLst>
+                              <p:par>
+                                <p:cTn id="57" presetID="10" presetClass="entr" presetSubtype="0" fill="hold" nodeType="afterEffect">
+                                  <p:stCondLst>
+                                    <p:cond delay="0"/>
+                                  </p:stCondLst>
+                                  <p:childTnLst>
+                                    <p:set>
+                                      <p:cBhvr>
+                                        <p:cTn id="58" dur="1" fill="hold">
+                                          <p:stCondLst>
+                                            <p:cond delay="0"/>
+                                          </p:stCondLst>
+                                        </p:cTn>
+                                        <p:tgtEl>
+                                          <p:spTgt spid="18"/>
+                                        </p:tgtEl>
+                                        <p:attrNameLst>
+                                          <p:attrName>style.visibility</p:attrName>
+                                        </p:attrNameLst>
+                                      </p:cBhvr>
+                                      <p:to>
+                                        <p:strVal val="visible"/>
+                                      </p:to>
+                                    </p:set>
+                                    <p:animEffect transition="in" filter="fade">
+                                      <p:cBhvr>
+                                        <p:cTn id="59" dur="250"/>
+                                        <p:tgtEl>
+                                          <p:spTgt spid="18"/>
+                                        </p:tgtEl>
+                                      </p:cBhvr>
+                                    </p:animEffect>
+                                  </p:childTnLst>
+                                </p:cTn>
+                              </p:par>
+                            </p:childTnLst>
+                          </p:cTn>
+                        </p:par>
+                      </p:childTnLst>
+                    </p:cTn>
+                  </p:par>
+                </p:childTnLst>
+              </p:cTn>
+              <p:prevCondLst>
+                <p:cond evt="onPrev" delay="0">
+                  <p:tgtEl>
+                    <p:sldTgt/>
+                  </p:tgtEl>
+                </p:cond>
+              </p:prevCondLst>
+              <p:nextCondLst>
+                <p:cond evt="onNext" delay="0">
+                  <p:tgtEl>
+                    <p:sldTgt/>
+                  </p:tgtEl>
+                </p:cond>
+              </p:nextCondLst>
+            </p:seq>
+          </p:childTnLst>
+        </p:cTn>
+      </p:par>
+    </p:tnLst>
+  </p:timing>
 </p:sld>
 </file>
 
